--- a/fuentes/contenidos/grado07/guion08/MapaConceptual_MA_07_08_CO.pptx
+++ b/fuentes/contenidos/grado07/guion08/MapaConceptual_MA_07_08_CO.pptx
@@ -8,7 +8,7 @@
     <p:sldId id="256" r:id="rId2"/>
   </p:sldIdLst>
   <p:sldSz cx="9144000" cy="6858000" type="letter"/>
-  <p:notesSz cx="6794500" cy="9918700"/>
+  <p:notesSz cx="7315200" cy="9601200"/>
   <p:defaultTextStyle>
     <a:defPPr>
       <a:defRPr lang="es-ES"/>
@@ -150,13 +150,6 @@
   <p:clrMapOvr>
     <a:masterClrMapping/>
   </p:clrMapOvr>
-  <p:timing>
-    <p:tnLst>
-      <p:par>
-        <p:cTn id="1" dur="indefinite" restart="never" nodeType="tmRoot"/>
-      </p:par>
-    </p:tnLst>
-  </p:timing>
 </p:sldLayout>
 </file>
 
@@ -187,13 +180,6 @@
   <p:clrMapOvr>
     <a:masterClrMapping/>
   </p:clrMapOvr>
-  <p:timing>
-    <p:tnLst>
-      <p:par>
-        <p:cTn id="1" dur="indefinite" restart="never" nodeType="tmRoot"/>
-      </p:par>
-    </p:tnLst>
-  </p:timing>
 </p:sldLayout>
 </file>
 
@@ -224,13 +210,6 @@
   <p:clrMapOvr>
     <a:masterClrMapping/>
   </p:clrMapOvr>
-  <p:timing>
-    <p:tnLst>
-      <p:par>
-        <p:cTn id="1" dur="indefinite" restart="never" nodeType="tmRoot"/>
-      </p:par>
-    </p:tnLst>
-  </p:timing>
 </p:sldLayout>
 </file>
 
@@ -261,13 +240,6 @@
   <p:clrMapOvr>
     <a:masterClrMapping/>
   </p:clrMapOvr>
-  <p:timing>
-    <p:tnLst>
-      <p:par>
-        <p:cTn id="1" dur="indefinite" restart="never" nodeType="tmRoot"/>
-      </p:par>
-    </p:tnLst>
-  </p:timing>
 </p:sldLayout>
 </file>
 
@@ -298,13 +270,6 @@
   <p:clrMapOvr>
     <a:masterClrMapping/>
   </p:clrMapOvr>
-  <p:timing>
-    <p:tnLst>
-      <p:par>
-        <p:cTn id="1" dur="indefinite" restart="never" nodeType="tmRoot"/>
-      </p:par>
-    </p:tnLst>
-  </p:timing>
 </p:sldLayout>
 </file>
 
@@ -335,13 +300,6 @@
   <p:clrMapOvr>
     <a:masterClrMapping/>
   </p:clrMapOvr>
-  <p:timing>
-    <p:tnLst>
-      <p:par>
-        <p:cTn id="1" dur="indefinite" restart="never" nodeType="tmRoot"/>
-      </p:par>
-    </p:tnLst>
-  </p:timing>
 </p:sldLayout>
 </file>
 
@@ -372,13 +330,6 @@
   <p:clrMapOvr>
     <a:masterClrMapping/>
   </p:clrMapOvr>
-  <p:timing>
-    <p:tnLst>
-      <p:par>
-        <p:cTn id="1" dur="indefinite" restart="never" nodeType="tmRoot"/>
-      </p:par>
-    </p:tnLst>
-  </p:timing>
 </p:sldLayout>
 </file>
 
@@ -409,13 +360,6 @@
   <p:clrMapOvr>
     <a:masterClrMapping/>
   </p:clrMapOvr>
-  <p:timing>
-    <p:tnLst>
-      <p:par>
-        <p:cTn id="1" dur="indefinite" restart="never" nodeType="tmRoot"/>
-      </p:par>
-    </p:tnLst>
-  </p:timing>
 </p:sldLayout>
 </file>
 
@@ -461,7 +405,7 @@
           <a:p>
             <a:fld id="{5001C876-01F7-4317-94B9-1AE222133113}" type="datetimeFigureOut">
               <a:rPr lang="es-ES" smtClean="0"/>
-              <a:t>05/02/2016</a:t>
+              <a:t>22/02/2016</a:t>
             </a:fld>
             <a:endParaRPr lang="es-ES"/>
           </a:p>
@@ -535,13 +479,6 @@
   <p:clrMapOvr>
     <a:masterClrMapping/>
   </p:clrMapOvr>
-  <p:timing>
-    <p:tnLst>
-      <p:par>
-        <p:cTn id="1" dur="indefinite" restart="never" nodeType="tmRoot"/>
-      </p:par>
-    </p:tnLst>
-  </p:timing>
 </p:sldLayout>
 </file>
 
@@ -572,13 +509,6 @@
   <p:clrMapOvr>
     <a:masterClrMapping/>
   </p:clrMapOvr>
-  <p:timing>
-    <p:tnLst>
-      <p:par>
-        <p:cTn id="1" dur="indefinite" restart="never" nodeType="tmRoot"/>
-      </p:par>
-    </p:tnLst>
-  </p:timing>
 </p:sldLayout>
 </file>
 
@@ -609,13 +539,6 @@
   <p:clrMapOvr>
     <a:masterClrMapping/>
   </p:clrMapOvr>
-  <p:timing>
-    <p:tnLst>
-      <p:par>
-        <p:cTn id="1" dur="indefinite" restart="never" nodeType="tmRoot"/>
-      </p:par>
-    </p:tnLst>
-  </p:timing>
 </p:sldLayout>
 </file>
 
@@ -669,7 +592,14 @@
                 <a:latin typeface="Arial" panose="020B0604020202020204" pitchFamily="34" charset="0"/>
                 <a:cs typeface="Arial" panose="020B0604020202020204" pitchFamily="34" charset="0"/>
               </a:rPr>
-              <a:t>© Editorial Planeta Colombiana S.A., 2015.</a:t>
+              <a:t>© Editorial Planeta Colombiana S.A., </a:t>
+            </a:r>
+            <a:r>
+              <a:rPr lang="es-ES" sz="1200" dirty="0" smtClean="0">
+                <a:latin typeface="Arial" panose="020B0604020202020204" pitchFamily="34" charset="0"/>
+                <a:cs typeface="Arial" panose="020B0604020202020204" pitchFamily="34" charset="0"/>
+              </a:rPr>
+              <a:t>2016.</a:t>
             </a:r>
             <a:endParaRPr lang="es-ES" sz="1200" dirty="0">
               <a:latin typeface="Arial" panose="020B0604020202020204" pitchFamily="34" charset="0"/>
@@ -729,13 +659,6 @@
     <p:sldLayoutId id="2147483670" r:id="rId10"/>
     <p:sldLayoutId id="2147483671" r:id="rId11"/>
   </p:sldLayoutIdLst>
-  <p:timing>
-    <p:tnLst>
-      <p:par>
-        <p:cTn id="1" dur="indefinite" restart="never" nodeType="tmRoot"/>
-      </p:par>
-    </p:tnLst>
-  </p:timing>
   <p:txStyles>
     <p:titleStyle>
       <a:lvl1pPr algn="l" defTabSz="914400" rtl="0" eaLnBrk="1" latinLnBrk="0" hangingPunct="1">
@@ -1100,7 +1023,7 @@
         </p:nvSpPr>
         <p:spPr>
           <a:xfrm>
-            <a:off x="1065883" y="975326"/>
+            <a:off x="1399090" y="859091"/>
             <a:ext cx="1654172" cy="439782"/>
           </a:xfrm>
           <a:prstGeom prst="rect">
@@ -1166,8 +1089,8 @@
         </p:nvCxnSpPr>
         <p:spPr>
           <a:xfrm rot="5400000">
-            <a:off x="3050188" y="-726083"/>
-            <a:ext cx="544190" cy="2858628"/>
+            <a:off x="3274910" y="-617597"/>
+            <a:ext cx="427955" cy="2525421"/>
           </a:xfrm>
           <a:prstGeom prst="bentConnector3">
             <a:avLst/>
@@ -1201,7 +1124,7 @@
         </p:nvSpPr>
         <p:spPr>
           <a:xfrm>
-            <a:off x="1328142" y="1573017"/>
+            <a:off x="1661349" y="1511025"/>
             <a:ext cx="1122431" cy="230832"/>
           </a:xfrm>
           <a:prstGeom prst="rect">
@@ -1248,8 +1171,8 @@
         </p:nvCxnSpPr>
         <p:spPr>
           <a:xfrm rot="5400000">
-            <a:off x="1812210" y="1492257"/>
-            <a:ext cx="157909" cy="3611"/>
+            <a:off x="2118295" y="1403144"/>
+            <a:ext cx="212152" cy="3611"/>
           </a:xfrm>
           <a:prstGeom prst="bentConnector3">
             <a:avLst>
@@ -1285,7 +1208,7 @@
         </p:nvSpPr>
         <p:spPr>
           <a:xfrm>
-            <a:off x="703175" y="1930675"/>
+            <a:off x="1036382" y="1930675"/>
             <a:ext cx="1124746" cy="552286"/>
           </a:xfrm>
           <a:prstGeom prst="rect">
@@ -1329,7 +1252,7 @@
                 <a:latin typeface="Arial" panose="020B0604020202020204" pitchFamily="34" charset="0"/>
                 <a:cs typeface="Arial" panose="020B0604020202020204" pitchFamily="34" charset="0"/>
               </a:rPr>
-              <a:t>Simple </a:t>
+              <a:t>simple </a:t>
             </a:r>
             <a:endParaRPr lang="es-ES" sz="1050" dirty="0">
               <a:solidFill>
@@ -1352,8 +1275,8 @@
         </p:nvCxnSpPr>
         <p:spPr>
           <a:xfrm rot="5400000">
-            <a:off x="1514040" y="1555357"/>
-            <a:ext cx="126826" cy="623810"/>
+            <a:off x="1816251" y="1524361"/>
+            <a:ext cx="188818" cy="623810"/>
           </a:xfrm>
           <a:prstGeom prst="bentConnector3">
             <a:avLst>
@@ -1389,7 +1312,7 @@
         </p:nvSpPr>
         <p:spPr>
           <a:xfrm>
-            <a:off x="703175" y="2669719"/>
+            <a:off x="1036382" y="2669719"/>
             <a:ext cx="1117174" cy="230836"/>
           </a:xfrm>
           <a:prstGeom prst="rect">
@@ -1429,7 +1352,7 @@
         </p:nvCxnSpPr>
         <p:spPr>
           <a:xfrm rot="5400000">
-            <a:off x="1170276" y="2574447"/>
+            <a:off x="1503483" y="2574447"/>
             <a:ext cx="186758" cy="3786"/>
           </a:xfrm>
           <a:prstGeom prst="bentConnector3">
@@ -1466,7 +1389,7 @@
         </p:nvSpPr>
         <p:spPr>
           <a:xfrm>
-            <a:off x="264968" y="3169429"/>
+            <a:off x="598175" y="3355405"/>
             <a:ext cx="1071153" cy="505654"/>
           </a:xfrm>
           <a:prstGeom prst="rect">
@@ -1510,7 +1433,17 @@
                 <a:latin typeface="Arial" panose="020B0604020202020204" pitchFamily="34" charset="0"/>
                 <a:cs typeface="Arial" panose="020B0604020202020204" pitchFamily="34" charset="0"/>
               </a:rPr>
-              <a:t>Dos magnitudes directamente proporcionales</a:t>
+              <a:t>dos </a:t>
+            </a:r>
+            <a:r>
+              <a:rPr lang="es-ES" sz="900" dirty="0" smtClean="0">
+                <a:solidFill>
+                  <a:schemeClr val="tx1"/>
+                </a:solidFill>
+                <a:latin typeface="Arial" panose="020B0604020202020204" pitchFamily="34" charset="0"/>
+                <a:cs typeface="Arial" panose="020B0604020202020204" pitchFamily="34" charset="0"/>
+              </a:rPr>
+              <a:t>magnitudes directamente proporcionales</a:t>
             </a:r>
             <a:endParaRPr lang="es-ES" sz="900" dirty="0">
               <a:solidFill>
@@ -1530,7 +1463,7 @@
         </p:nvSpPr>
         <p:spPr>
           <a:xfrm>
-            <a:off x="1956432" y="4455145"/>
+            <a:off x="2289639" y="4641121"/>
             <a:ext cx="1098542" cy="353519"/>
           </a:xfrm>
           <a:prstGeom prst="rect">
@@ -1572,7 +1505,17 @@
                 <a:latin typeface="Arial" panose="020B0604020202020204" pitchFamily="34" charset="0"/>
                 <a:cs typeface="Arial" panose="020B0604020202020204" pitchFamily="34" charset="0"/>
               </a:rPr>
-              <a:t>Directamente proporcionales</a:t>
+              <a:t>directamente </a:t>
+            </a:r>
+            <a:r>
+              <a:rPr lang="es-ES" sz="900" dirty="0" smtClean="0">
+                <a:solidFill>
+                  <a:schemeClr val="tx1"/>
+                </a:solidFill>
+                <a:latin typeface="Arial" panose="020B0604020202020204" pitchFamily="34" charset="0"/>
+                <a:cs typeface="Arial" panose="020B0604020202020204" pitchFamily="34" charset="0"/>
+              </a:rPr>
+              <a:t>proporcionales</a:t>
             </a:r>
             <a:endParaRPr lang="es-ES" sz="900" dirty="0">
               <a:solidFill>
@@ -1592,7 +1535,7 @@
         </p:nvSpPr>
         <p:spPr>
           <a:xfrm>
-            <a:off x="2538753" y="3940170"/>
+            <a:off x="2871960" y="4126146"/>
             <a:ext cx="1117174" cy="230832"/>
           </a:xfrm>
           <a:prstGeom prst="rect">
@@ -1639,8 +1582,8 @@
         </p:nvCxnSpPr>
         <p:spPr>
           <a:xfrm rot="5400000">
-            <a:off x="896717" y="2804384"/>
-            <a:ext cx="268874" cy="461217"/>
+            <a:off x="1136936" y="2897372"/>
+            <a:ext cx="454850" cy="461217"/>
           </a:xfrm>
           <a:prstGeom prst="bentConnector3">
             <a:avLst>
@@ -1679,8 +1622,8 @@
         </p:nvCxnSpPr>
         <p:spPr>
           <a:xfrm rot="16200000" flipH="1">
-            <a:off x="1459253" y="2703064"/>
-            <a:ext cx="268874" cy="663856"/>
+            <a:off x="1699472" y="2796052"/>
+            <a:ext cx="454850" cy="663856"/>
           </a:xfrm>
           <a:prstGeom prst="bentConnector3">
             <a:avLst>
@@ -1719,7 +1662,7 @@
         </p:nvCxnSpPr>
         <p:spPr>
           <a:xfrm rot="5400000">
-            <a:off x="2659451" y="4017255"/>
+            <a:off x="2992658" y="4203231"/>
             <a:ext cx="284143" cy="591637"/>
           </a:xfrm>
           <a:prstGeom prst="bentConnector3">
@@ -1756,7 +1699,7 @@
         </p:nvSpPr>
         <p:spPr>
           <a:xfrm>
-            <a:off x="3571175" y="985540"/>
+            <a:off x="3896633" y="869305"/>
             <a:ext cx="1689194" cy="434302"/>
           </a:xfrm>
           <a:prstGeom prst="rect">
@@ -1822,8 +1765,8 @@
         </p:nvCxnSpPr>
         <p:spPr>
           <a:xfrm rot="5400000">
-            <a:off x="4306483" y="540426"/>
-            <a:ext cx="554404" cy="335825"/>
+            <a:off x="4527330" y="645037"/>
+            <a:ext cx="438169" cy="10367"/>
           </a:xfrm>
           <a:prstGeom prst="bentConnector3">
             <a:avLst/>
@@ -1857,7 +1800,7 @@
         </p:nvSpPr>
         <p:spPr>
           <a:xfrm>
-            <a:off x="3317970" y="1922785"/>
+            <a:off x="3651177" y="1922785"/>
             <a:ext cx="1124746" cy="570928"/>
           </a:xfrm>
           <a:prstGeom prst="rect">
@@ -1901,7 +1844,17 @@
                 <a:latin typeface="Arial" panose="020B0604020202020204" pitchFamily="34" charset="0"/>
                 <a:cs typeface="Arial" panose="020B0604020202020204" pitchFamily="34" charset="0"/>
               </a:rPr>
-              <a:t>Directamente proporcionales</a:t>
+              <a:t>directamente </a:t>
+            </a:r>
+            <a:r>
+              <a:rPr lang="es-ES" sz="1050" dirty="0" smtClean="0">
+                <a:solidFill>
+                  <a:schemeClr val="bg1"/>
+                </a:solidFill>
+                <a:latin typeface="Arial" panose="020B0604020202020204" pitchFamily="34" charset="0"/>
+                <a:cs typeface="Arial" panose="020B0604020202020204" pitchFamily="34" charset="0"/>
+              </a:rPr>
+              <a:t>proporcionales</a:t>
             </a:r>
             <a:endParaRPr lang="es-ES" sz="1050" dirty="0">
               <a:solidFill>
@@ -1921,7 +1874,7 @@
         </p:nvSpPr>
         <p:spPr>
           <a:xfrm>
-            <a:off x="2533496" y="2669719"/>
+            <a:off x="2866703" y="2847946"/>
             <a:ext cx="1117174" cy="230836"/>
           </a:xfrm>
           <a:prstGeom prst="rect">
@@ -1961,8 +1914,8 @@
         </p:nvCxnSpPr>
         <p:spPr>
           <a:xfrm rot="5400000">
-            <a:off x="4086715" y="1593727"/>
-            <a:ext cx="122687" cy="535429"/>
+            <a:off x="4388926" y="1562731"/>
+            <a:ext cx="184679" cy="535429"/>
           </a:xfrm>
           <a:prstGeom prst="bentConnector3">
             <a:avLst>
@@ -1998,7 +1951,7 @@
         </p:nvSpPr>
         <p:spPr>
           <a:xfrm>
-            <a:off x="2533496" y="3169429"/>
+            <a:off x="2866703" y="3355405"/>
             <a:ext cx="1122431" cy="505653"/>
           </a:xfrm>
           <a:prstGeom prst="rect">
@@ -2042,7 +1995,17 @@
                 <a:latin typeface="Arial" panose="020B0604020202020204" pitchFamily="34" charset="0"/>
                 <a:cs typeface="Arial" panose="020B0604020202020204" pitchFamily="34" charset="0"/>
               </a:rPr>
-              <a:t>Tres o más magnitudes</a:t>
+              <a:t>tres </a:t>
+            </a:r>
+            <a:r>
+              <a:rPr lang="es-ES" sz="900" dirty="0" smtClean="0">
+                <a:solidFill>
+                  <a:schemeClr val="tx1"/>
+                </a:solidFill>
+                <a:latin typeface="Arial" panose="020B0604020202020204" pitchFamily="34" charset="0"/>
+                <a:cs typeface="Arial" panose="020B0604020202020204" pitchFamily="34" charset="0"/>
+              </a:rPr>
+              <a:t>o más magnitudes</a:t>
             </a:r>
             <a:endParaRPr lang="es-ES" sz="900" dirty="0">
               <a:solidFill>
@@ -2065,8 +2028,8 @@
         </p:nvCxnSpPr>
         <p:spPr>
           <a:xfrm rot="16200000" flipH="1">
-            <a:off x="2958960" y="3033677"/>
-            <a:ext cx="268874" cy="2629"/>
+            <a:off x="3288293" y="3215778"/>
+            <a:ext cx="276623" cy="2629"/>
           </a:xfrm>
           <a:prstGeom prst="bentConnector3">
             <a:avLst>
@@ -2105,8 +2068,8 @@
         </p:nvCxnSpPr>
         <p:spPr>
           <a:xfrm rot="16200000" flipH="1">
-            <a:off x="2751438" y="2329073"/>
-            <a:ext cx="177943" cy="503348"/>
+            <a:off x="2995531" y="2418187"/>
+            <a:ext cx="356170" cy="503348"/>
           </a:xfrm>
           <a:prstGeom prst="bentConnector3">
             <a:avLst>
@@ -2145,7 +2108,7 @@
         </p:nvCxnSpPr>
         <p:spPr>
           <a:xfrm rot="16200000" flipV="1">
-            <a:off x="2963482" y="3806312"/>
+            <a:off x="3296689" y="3992288"/>
             <a:ext cx="265088" cy="2628"/>
           </a:xfrm>
           <a:prstGeom prst="bentConnector3">
@@ -2180,7 +2143,7 @@
         </p:nvSpPr>
         <p:spPr>
           <a:xfrm>
-            <a:off x="3104939" y="4455145"/>
+            <a:off x="3438146" y="4641121"/>
             <a:ext cx="1044110" cy="353519"/>
           </a:xfrm>
           <a:prstGeom prst="rect">
@@ -2222,7 +2185,17 @@
                 <a:latin typeface="Arial" panose="020B0604020202020204" pitchFamily="34" charset="0"/>
                 <a:cs typeface="Arial" panose="020B0604020202020204" pitchFamily="34" charset="0"/>
               </a:rPr>
-              <a:t>Inversamente proporcionales</a:t>
+              <a:t>inversamente </a:t>
+            </a:r>
+            <a:r>
+              <a:rPr lang="es-ES" sz="900" dirty="0" smtClean="0">
+                <a:solidFill>
+                  <a:schemeClr val="tx1"/>
+                </a:solidFill>
+                <a:latin typeface="Arial" panose="020B0604020202020204" pitchFamily="34" charset="0"/>
+                <a:cs typeface="Arial" panose="020B0604020202020204" pitchFamily="34" charset="0"/>
+              </a:rPr>
+              <a:t>proporcionales</a:t>
             </a:r>
             <a:endParaRPr lang="es-ES" sz="900" dirty="0">
               <a:solidFill>
@@ -2245,7 +2218,7 @@
         </p:nvCxnSpPr>
         <p:spPr>
           <a:xfrm rot="16200000" flipV="1">
-            <a:off x="3220096" y="4048247"/>
+            <a:off x="3553303" y="4234223"/>
             <a:ext cx="284143" cy="529654"/>
           </a:xfrm>
           <a:prstGeom prst="bentConnector3">
@@ -2285,8 +2258,8 @@
         </p:nvCxnSpPr>
         <p:spPr>
           <a:xfrm rot="5400000" flipH="1" flipV="1">
-            <a:off x="6683304" y="3936471"/>
-            <a:ext cx="375864" cy="722391"/>
+            <a:off x="6942896" y="4296800"/>
+            <a:ext cx="375864" cy="373685"/>
           </a:xfrm>
           <a:prstGeom prst="bentConnector3">
             <a:avLst>
@@ -2322,7 +2295,7 @@
         </p:nvSpPr>
         <p:spPr>
           <a:xfrm>
-            <a:off x="4531899" y="1917447"/>
+            <a:off x="4865106" y="1917447"/>
             <a:ext cx="1124746" cy="565698"/>
           </a:xfrm>
           <a:prstGeom prst="rect">
@@ -2366,7 +2339,17 @@
                 <a:latin typeface="Arial" panose="020B0604020202020204" pitchFamily="34" charset="0"/>
                 <a:cs typeface="Arial" panose="020B0604020202020204" pitchFamily="34" charset="0"/>
               </a:rPr>
-              <a:t>Inversamente proporcionales</a:t>
+              <a:t>inversamente </a:t>
+            </a:r>
+            <a:r>
+              <a:rPr lang="es-ES" sz="1050" dirty="0" smtClean="0">
+                <a:solidFill>
+                  <a:schemeClr val="bg1"/>
+                </a:solidFill>
+                <a:latin typeface="Arial" panose="020B0604020202020204" pitchFamily="34" charset="0"/>
+                <a:cs typeface="Arial" panose="020B0604020202020204" pitchFamily="34" charset="0"/>
+              </a:rPr>
+              <a:t>proporcionales</a:t>
             </a:r>
             <a:endParaRPr lang="es-ES" sz="1050" dirty="0">
               <a:solidFill>
@@ -2388,9 +2371,9 @@
           <p:nvPr/>
         </p:nvCxnSpPr>
         <p:spPr>
-          <a:xfrm rot="5400000">
-            <a:off x="4341060" y="1494554"/>
-            <a:ext cx="149424" cy="12700"/>
+          <a:xfrm rot="16200000" flipH="1">
+            <a:off x="4643271" y="1401565"/>
+            <a:ext cx="203667" cy="7749"/>
           </a:xfrm>
           <a:prstGeom prst="bentConnector3">
             <a:avLst>
@@ -2429,8 +2412,8 @@
         </p:nvCxnSpPr>
         <p:spPr>
           <a:xfrm rot="16200000" flipH="1">
-            <a:off x="4696348" y="1519522"/>
-            <a:ext cx="117349" cy="678500"/>
+            <a:off x="4998559" y="1488526"/>
+            <a:ext cx="179341" cy="678500"/>
           </a:xfrm>
           <a:prstGeom prst="bentConnector3">
             <a:avLst>
@@ -2466,8 +2449,8 @@
         </p:nvSpPr>
         <p:spPr>
           <a:xfrm>
-            <a:off x="4974359" y="3142312"/>
-            <a:ext cx="1315909" cy="528320"/>
+            <a:off x="5654226" y="3328288"/>
+            <a:ext cx="1087528" cy="528320"/>
           </a:xfrm>
           <a:prstGeom prst="rect">
             <a:avLst/>
@@ -2510,7 +2493,17 @@
                 <a:latin typeface="Arial" panose="020B0604020202020204" pitchFamily="34" charset="0"/>
                 <a:cs typeface="Arial" panose="020B0604020202020204" pitchFamily="34" charset="0"/>
               </a:rPr>
-              <a:t>Calcular el tanto por ciento de una cantidad</a:t>
+              <a:t>calcular </a:t>
+            </a:r>
+            <a:r>
+              <a:rPr lang="es-ES" sz="900" dirty="0" smtClean="0">
+                <a:solidFill>
+                  <a:schemeClr val="tx1"/>
+                </a:solidFill>
+                <a:latin typeface="Arial" panose="020B0604020202020204" pitchFamily="34" charset="0"/>
+                <a:cs typeface="Arial" panose="020B0604020202020204" pitchFamily="34" charset="0"/>
+              </a:rPr>
+              <a:t>el tanto por ciento de una cantidad</a:t>
             </a:r>
             <a:endParaRPr lang="es-ES" sz="900" dirty="0">
               <a:solidFill>
@@ -2530,7 +2523,7 @@
         </p:nvSpPr>
         <p:spPr>
           <a:xfrm>
-            <a:off x="7202224" y="1616688"/>
+            <a:off x="7535431" y="1554696"/>
             <a:ext cx="1117174" cy="230832"/>
           </a:xfrm>
           <a:prstGeom prst="rect">
@@ -2570,8 +2563,8 @@
         </p:nvCxnSpPr>
         <p:spPr>
           <a:xfrm rot="5400000">
-            <a:off x="5914732" y="2620544"/>
-            <a:ext cx="239350" cy="804186"/>
+            <a:off x="6271186" y="2829767"/>
+            <a:ext cx="425326" cy="571717"/>
           </a:xfrm>
           <a:prstGeom prst="bentConnector3">
             <a:avLst>
@@ -2607,8 +2600,8 @@
         </p:nvSpPr>
         <p:spPr>
           <a:xfrm>
-            <a:off x="5879689" y="1577585"/>
-            <a:ext cx="1117174" cy="230832"/>
+            <a:off x="6212896" y="1541584"/>
+            <a:ext cx="1117174" cy="209847"/>
           </a:xfrm>
           <a:prstGeom prst="rect">
             <a:avLst/>
@@ -2647,8 +2640,8 @@
         </p:nvCxnSpPr>
         <p:spPr>
           <a:xfrm rot="5400000">
-            <a:off x="6602597" y="1250787"/>
-            <a:ext cx="162477" cy="491118"/>
+            <a:off x="6988676" y="1081681"/>
+            <a:ext cx="242711" cy="677095"/>
           </a:xfrm>
           <a:prstGeom prst="bentConnector3">
             <a:avLst>
@@ -2684,7 +2677,7 @@
         </p:nvSpPr>
         <p:spPr>
           <a:xfrm>
-            <a:off x="5877913" y="2672130"/>
+            <a:off x="6211120" y="2672130"/>
             <a:ext cx="1117174" cy="230832"/>
           </a:xfrm>
           <a:prstGeom prst="rect">
@@ -2724,8 +2717,8 @@
         </p:nvCxnSpPr>
         <p:spPr>
           <a:xfrm rot="16200000" flipH="1">
-            <a:off x="7244312" y="1100189"/>
-            <a:ext cx="201580" cy="831417"/>
+            <a:off x="7643387" y="1104064"/>
+            <a:ext cx="255823" cy="645440"/>
           </a:xfrm>
           <a:prstGeom prst="bentConnector3">
             <a:avLst>
@@ -2761,7 +2754,7 @@
         </p:nvSpPr>
         <p:spPr>
           <a:xfrm>
-            <a:off x="6176093" y="975326"/>
+            <a:off x="6695277" y="859091"/>
             <a:ext cx="1506602" cy="439782"/>
           </a:xfrm>
           <a:prstGeom prst="rect">
@@ -2834,8 +2827,8 @@
         </p:nvCxnSpPr>
         <p:spPr>
           <a:xfrm rot="16200000" flipH="1">
-            <a:off x="5568400" y="-385668"/>
-            <a:ext cx="544190" cy="2177797"/>
+            <a:off x="5886110" y="-703378"/>
+            <a:ext cx="427955" cy="2696981"/>
           </a:xfrm>
           <a:prstGeom prst="bentConnector3">
             <a:avLst/>
@@ -2869,7 +2862,7 @@
         </p:nvSpPr>
         <p:spPr>
           <a:xfrm>
-            <a:off x="7173176" y="1917263"/>
+            <a:off x="7506383" y="1917263"/>
             <a:ext cx="1174023" cy="565698"/>
           </a:xfrm>
           <a:prstGeom prst="rect">
@@ -2933,8 +2926,8 @@
         </p:nvSpPr>
         <p:spPr>
           <a:xfrm>
-            <a:off x="6510040" y="3145135"/>
-            <a:ext cx="1457664" cy="525498"/>
+            <a:off x="6818560" y="3331111"/>
+            <a:ext cx="995605" cy="525498"/>
           </a:xfrm>
           <a:prstGeom prst="rect">
             <a:avLst/>
@@ -2977,7 +2970,17 @@
                 <a:latin typeface="Arial" panose="020B0604020202020204" pitchFamily="34" charset="0"/>
                 <a:cs typeface="Arial" panose="020B0604020202020204" pitchFamily="34" charset="0"/>
               </a:rPr>
-              <a:t>Calcular intereses</a:t>
+              <a:t>calcular </a:t>
+            </a:r>
+            <a:r>
+              <a:rPr lang="es-ES" sz="900" dirty="0" smtClean="0">
+                <a:solidFill>
+                  <a:schemeClr val="tx1"/>
+                </a:solidFill>
+                <a:latin typeface="Arial" panose="020B0604020202020204" pitchFamily="34" charset="0"/>
+                <a:cs typeface="Arial" panose="020B0604020202020204" pitchFamily="34" charset="0"/>
+              </a:rPr>
+              <a:t>intereses</a:t>
             </a:r>
             <a:endParaRPr lang="es-ES" sz="900" dirty="0">
               <a:solidFill>
@@ -2997,8 +3000,8 @@
         </p:nvSpPr>
         <p:spPr>
           <a:xfrm>
-            <a:off x="7365442" y="4480051"/>
-            <a:ext cx="1204521" cy="353519"/>
+            <a:off x="7392271" y="4666027"/>
+            <a:ext cx="747914" cy="353519"/>
           </a:xfrm>
           <a:prstGeom prst="rect">
             <a:avLst/>
@@ -3039,7 +3042,17 @@
                 <a:latin typeface="Arial" panose="020B0604020202020204" pitchFamily="34" charset="0"/>
                 <a:cs typeface="Arial" panose="020B0604020202020204" pitchFamily="34" charset="0"/>
               </a:rPr>
-              <a:t>Interés compuesto</a:t>
+              <a:t>interés </a:t>
+            </a:r>
+            <a:r>
+              <a:rPr lang="es-ES" sz="900" dirty="0" smtClean="0">
+                <a:solidFill>
+                  <a:schemeClr val="tx1"/>
+                </a:solidFill>
+                <a:latin typeface="Arial" panose="020B0604020202020204" pitchFamily="34" charset="0"/>
+                <a:cs typeface="Arial" panose="020B0604020202020204" pitchFamily="34" charset="0"/>
+              </a:rPr>
+              <a:t>compuesto</a:t>
             </a:r>
             <a:endParaRPr lang="es-ES" sz="900" dirty="0">
               <a:solidFill>
@@ -3059,7 +3072,7 @@
         </p:nvSpPr>
         <p:spPr>
           <a:xfrm>
-            <a:off x="6673845" y="3878902"/>
+            <a:off x="6759084" y="4064878"/>
             <a:ext cx="1117174" cy="230832"/>
           </a:xfrm>
           <a:prstGeom prst="rect">
@@ -3106,8 +3119,8 @@
         </p:nvCxnSpPr>
         <p:spPr>
           <a:xfrm rot="16200000" flipH="1">
-            <a:off x="6716600" y="2622862"/>
-            <a:ext cx="242173" cy="802372"/>
+            <a:off x="6828961" y="2843708"/>
+            <a:ext cx="428149" cy="546656"/>
           </a:xfrm>
           <a:prstGeom prst="bentConnector3">
             <a:avLst>
@@ -3146,8 +3159,8 @@
         </p:nvCxnSpPr>
         <p:spPr>
           <a:xfrm rot="16200000" flipV="1">
-            <a:off x="7414910" y="3927257"/>
-            <a:ext cx="370317" cy="735271"/>
+            <a:off x="7356792" y="4256590"/>
+            <a:ext cx="370317" cy="448557"/>
           </a:xfrm>
           <a:prstGeom prst="bentConnector3">
             <a:avLst/>
@@ -3183,9 +3196,9 @@
           <p:nvPr/>
         </p:nvCxnSpPr>
         <p:spPr>
-          <a:xfrm rot="5400000" flipH="1" flipV="1">
-            <a:off x="7131518" y="3771548"/>
-            <a:ext cx="208269" cy="6440"/>
+          <a:xfrm rot="16200000" flipV="1">
+            <a:off x="7212883" y="3960090"/>
+            <a:ext cx="208269" cy="1308"/>
           </a:xfrm>
           <a:prstGeom prst="bentConnector3">
             <a:avLst>
@@ -3224,8 +3237,8 @@
         </p:nvCxnSpPr>
         <p:spPr>
           <a:xfrm rot="5400000" flipH="1" flipV="1">
-            <a:off x="7725628" y="1882081"/>
-            <a:ext cx="69743" cy="623"/>
+            <a:off x="8027839" y="1851085"/>
+            <a:ext cx="131735" cy="623"/>
           </a:xfrm>
           <a:prstGeom prst="bentConnector3">
             <a:avLst>
@@ -3264,7 +3277,7 @@
         </p:nvCxnSpPr>
         <p:spPr>
           <a:xfrm rot="5400000" flipH="1" flipV="1">
-            <a:off x="6342971" y="2578601"/>
+            <a:off x="6676178" y="2578601"/>
             <a:ext cx="187058" cy="1"/>
           </a:xfrm>
           <a:prstGeom prst="bentConnector3">
@@ -3301,8 +3314,8 @@
         </p:nvSpPr>
         <p:spPr>
           <a:xfrm>
-            <a:off x="5886830" y="4485598"/>
-            <a:ext cx="1246421" cy="353519"/>
+            <a:off x="6592199" y="4671574"/>
+            <a:ext cx="703573" cy="353519"/>
           </a:xfrm>
           <a:prstGeom prst="rect">
             <a:avLst/>
@@ -3343,7 +3356,17 @@
                 <a:latin typeface="Arial" panose="020B0604020202020204" pitchFamily="34" charset="0"/>
                 <a:cs typeface="Arial" panose="020B0604020202020204" pitchFamily="34" charset="0"/>
               </a:rPr>
-              <a:t>Interés simple</a:t>
+              <a:t>interés </a:t>
+            </a:r>
+            <a:r>
+              <a:rPr lang="es-ES" sz="900" dirty="0" smtClean="0">
+                <a:solidFill>
+                  <a:schemeClr val="tx1"/>
+                </a:solidFill>
+                <a:latin typeface="Arial" panose="020B0604020202020204" pitchFamily="34" charset="0"/>
+                <a:cs typeface="Arial" panose="020B0604020202020204" pitchFamily="34" charset="0"/>
+              </a:rPr>
+              <a:t>simple</a:t>
             </a:r>
             <a:endParaRPr lang="es-ES" sz="900" dirty="0">
               <a:solidFill>
@@ -3366,8 +3389,8 @@
         </p:nvCxnSpPr>
         <p:spPr>
           <a:xfrm rot="5400000" flipH="1" flipV="1">
-            <a:off x="6385191" y="1859728"/>
-            <a:ext cx="104395" cy="1775"/>
+            <a:off x="6689905" y="1831235"/>
+            <a:ext cx="161381" cy="1775"/>
           </a:xfrm>
           <a:prstGeom prst="bentConnector3">
             <a:avLst>
@@ -3403,7 +3426,7 @@
         </p:nvSpPr>
         <p:spPr>
           <a:xfrm>
-            <a:off x="3857185" y="1569266"/>
+            <a:off x="4190392" y="1507274"/>
             <a:ext cx="1117174" cy="230832"/>
           </a:xfrm>
           <a:prstGeom prst="rect">
@@ -3447,7 +3470,7 @@
         </p:nvSpPr>
         <p:spPr>
           <a:xfrm>
-            <a:off x="5824849" y="1912812"/>
+            <a:off x="6158056" y="1912812"/>
             <a:ext cx="1223303" cy="572260"/>
           </a:xfrm>
           <a:prstGeom prst="rect">
@@ -3491,7 +3514,17 @@
                 <a:latin typeface="Arial" panose="020B0604020202020204" pitchFamily="34" charset="0"/>
                 <a:cs typeface="Arial" panose="020B0604020202020204" pitchFamily="34" charset="0"/>
               </a:rPr>
-              <a:t>Proporcionalidad directa</a:t>
+              <a:t>proporcionalidad </a:t>
+            </a:r>
+            <a:r>
+              <a:rPr lang="es-ES" sz="1050" dirty="0" smtClean="0">
+                <a:solidFill>
+                  <a:schemeClr val="bg1"/>
+                </a:solidFill>
+                <a:latin typeface="Arial" panose="020B0604020202020204" pitchFamily="34" charset="0"/>
+                <a:cs typeface="Arial" panose="020B0604020202020204" pitchFamily="34" charset="0"/>
+              </a:rPr>
+              <a:t>directa</a:t>
             </a:r>
             <a:endParaRPr lang="es-ES" sz="1050" dirty="0">
               <a:solidFill>
@@ -3511,7 +3544,7 @@
         </p:nvSpPr>
         <p:spPr>
           <a:xfrm>
-            <a:off x="2026362" y="1935638"/>
+            <a:off x="2359569" y="1935638"/>
             <a:ext cx="1124746" cy="556138"/>
           </a:xfrm>
           <a:prstGeom prst="rect">
@@ -3555,7 +3588,7 @@
                 <a:latin typeface="Arial" panose="020B0604020202020204" pitchFamily="34" charset="0"/>
                 <a:cs typeface="Arial" panose="020B0604020202020204" pitchFamily="34" charset="0"/>
               </a:rPr>
-              <a:t>Compuesta</a:t>
+              <a:t>compuesta</a:t>
             </a:r>
             <a:endParaRPr lang="es-ES" sz="1050" dirty="0">
               <a:solidFill>
@@ -3578,8 +3611,8 @@
         </p:nvCxnSpPr>
         <p:spPr>
           <a:xfrm rot="16200000" flipH="1">
-            <a:off x="2173152" y="1520054"/>
-            <a:ext cx="131789" cy="699377"/>
+            <a:off x="2475363" y="1489058"/>
+            <a:ext cx="193781" cy="699377"/>
           </a:xfrm>
           <a:prstGeom prst="bentConnector3">
             <a:avLst>
@@ -3615,7 +3648,7 @@
         </p:nvSpPr>
         <p:spPr>
           <a:xfrm>
-            <a:off x="1400663" y="3169429"/>
+            <a:off x="1733870" y="3355405"/>
             <a:ext cx="1049910" cy="505654"/>
           </a:xfrm>
           <a:prstGeom prst="rect">
@@ -3659,7 +3692,17 @@
                 <a:latin typeface="Arial" panose="020B0604020202020204" pitchFamily="34" charset="0"/>
                 <a:cs typeface="Arial" panose="020B0604020202020204" pitchFamily="34" charset="0"/>
               </a:rPr>
-              <a:t>Dos magnitudes inversamente proporcionales</a:t>
+              <a:t>dos </a:t>
+            </a:r>
+            <a:r>
+              <a:rPr lang="es-ES" sz="900" dirty="0" smtClean="0">
+                <a:solidFill>
+                  <a:schemeClr val="tx1"/>
+                </a:solidFill>
+                <a:latin typeface="Arial" panose="020B0604020202020204" pitchFamily="34" charset="0"/>
+                <a:cs typeface="Arial" panose="020B0604020202020204" pitchFamily="34" charset="0"/>
+              </a:rPr>
+              <a:t>magnitudes inversamente proporcionales</a:t>
             </a:r>
             <a:endParaRPr lang="es-ES" sz="900" dirty="0">
               <a:solidFill>
@@ -3681,13 +3724,6 @@
   <p:clrMapOvr>
     <a:masterClrMapping/>
   </p:clrMapOvr>
-  <p:timing>
-    <p:tnLst>
-      <p:par>
-        <p:cTn id="1" dur="indefinite" restart="never" nodeType="tmRoot"/>
-      </p:par>
-    </p:tnLst>
-  </p:timing>
 </p:sld>
 </file>
 
